--- a/604/SE2018春-G03-测试阶段PPT.pptx
+++ b/604/SE2018春-G03-测试阶段PPT.pptx
@@ -28,9 +28,10 @@
     <p:sldId id="321" r:id="rId22"/>
     <p:sldId id="322" r:id="rId23"/>
     <p:sldId id="307" r:id="rId24"/>
-    <p:sldId id="275" r:id="rId25"/>
-    <p:sldId id="260" r:id="rId26"/>
-    <p:sldId id="265" r:id="rId27"/>
+    <p:sldId id="323" r:id="rId25"/>
+    <p:sldId id="275" r:id="rId26"/>
+    <p:sldId id="260" r:id="rId27"/>
+    <p:sldId id="265" r:id="rId28"/>
   </p:sldIdLst>
   <p:sldSz cx="12192000" cy="6858000"/>
   <p:notesSz cx="6858000" cy="9144000"/>
@@ -320,7 +321,7 @@
               <a:pPr>
                 <a:defRPr/>
               </a:pPr>
-              <a:t>2018/6/4</a:t>
+              <a:t>2018/6/7</a:t>
             </a:fld>
             <a:endParaRPr lang="zh-CN" altLang="en-US"/>
           </a:p>
@@ -521,7 +522,7 @@
               <a:pPr>
                 <a:defRPr/>
               </a:pPr>
-              <a:t>2018/6/4</a:t>
+              <a:t>2018/6/7</a:t>
             </a:fld>
             <a:endParaRPr lang="zh-CN" altLang="en-US"/>
           </a:p>
@@ -732,7 +733,7 @@
               <a:pPr>
                 <a:defRPr/>
               </a:pPr>
-              <a:t>2018/6/4</a:t>
+              <a:t>2018/6/7</a:t>
             </a:fld>
             <a:endParaRPr lang="zh-CN" altLang="en-US"/>
           </a:p>
@@ -933,7 +934,7 @@
               <a:pPr>
                 <a:defRPr/>
               </a:pPr>
-              <a:t>2018/6/4</a:t>
+              <a:t>2018/6/7</a:t>
             </a:fld>
             <a:endParaRPr lang="zh-CN" altLang="en-US"/>
           </a:p>
@@ -1157,7 +1158,7 @@
               <a:pPr>
                 <a:defRPr/>
               </a:pPr>
-              <a:t>2018/6/4</a:t>
+              <a:t>2018/6/7</a:t>
             </a:fld>
             <a:endParaRPr lang="zh-CN" altLang="en-US"/>
           </a:p>
@@ -1475,7 +1476,7 @@
               <a:pPr>
                 <a:defRPr/>
               </a:pPr>
-              <a:t>2018/6/4</a:t>
+              <a:t>2018/6/7</a:t>
             </a:fld>
             <a:endParaRPr lang="zh-CN" altLang="en-US"/>
           </a:p>
@@ -1932,7 +1933,7 @@
               <a:pPr>
                 <a:defRPr/>
               </a:pPr>
-              <a:t>2018/6/4</a:t>
+              <a:t>2018/6/7</a:t>
             </a:fld>
             <a:endParaRPr lang="zh-CN" altLang="en-US"/>
           </a:p>
@@ -2082,7 +2083,7 @@
               <a:pPr>
                 <a:defRPr/>
               </a:pPr>
-              <a:t>2018/6/4</a:t>
+              <a:t>2018/6/7</a:t>
             </a:fld>
             <a:endParaRPr lang="zh-CN" altLang="en-US"/>
           </a:p>
@@ -2210,7 +2211,7 @@
               <a:pPr>
                 <a:defRPr/>
               </a:pPr>
-              <a:t>2018/6/4</a:t>
+              <a:t>2018/6/7</a:t>
             </a:fld>
             <a:endParaRPr lang="zh-CN" altLang="en-US"/>
           </a:p>
@@ -2518,7 +2519,7 @@
               <a:pPr>
                 <a:defRPr/>
               </a:pPr>
-              <a:t>2018/6/4</a:t>
+              <a:t>2018/6/7</a:t>
             </a:fld>
             <a:endParaRPr lang="zh-CN" altLang="en-US"/>
           </a:p>
@@ -2804,7 +2805,7 @@
               <a:pPr>
                 <a:defRPr/>
               </a:pPr>
-              <a:t>2018/6/4</a:t>
+              <a:t>2018/6/7</a:t>
             </a:fld>
             <a:endParaRPr lang="zh-CN" altLang="en-US"/>
           </a:p>
@@ -3122,7 +3123,7 @@
               <a:pPr>
                 <a:defRPr/>
               </a:pPr>
-              <a:t>2018/6/4</a:t>
+              <a:t>2018/6/7</a:t>
             </a:fld>
             <a:endParaRPr lang="zh-CN" altLang="en-US"/>
           </a:p>
@@ -4535,7 +4536,7 @@
                 <a:buFont typeface="Arial" pitchFamily="34" charset="0"/>
                 <a:buNone/>
               </a:pPr>
-              <a:t>2018/6/4</a:t>
+              <a:t>2018/6/7</a:t>
             </a:fld>
             <a:endParaRPr lang="zh-CN" altLang="en-US" sz="1800" dirty="0">
               <a:solidFill>
@@ -6149,7 +6150,7 @@
               <a:rPr lang="zh-CN" altLang="en-US" sz="2400" b="1" dirty="0">
                 <a:latin typeface="Calibri" pitchFamily="34" charset="0"/>
               </a:rPr>
-              <a:t>代码清单及代码走查</a:t>
+              <a:t>代码清单及模块测试</a:t>
             </a:r>
           </a:p>
         </p:txBody>
@@ -6181,7 +6182,7 @@
                 <a:latin typeface="微软雅黑" panose="020B0503020204020204" pitchFamily="34" charset="-122"/>
                 <a:ea typeface="微软雅黑" panose="020B0503020204020204" pitchFamily="34" charset="-122"/>
               </a:rPr>
-              <a:t>代码走查</a:t>
+              <a:t>测试模块：</a:t>
             </a:r>
             <a:endParaRPr lang="en-US" altLang="zh-CN" sz="2000" dirty="0">
               <a:latin typeface="微软雅黑" panose="020B0503020204020204" pitchFamily="34" charset="-122"/>
@@ -6240,7 +6241,7 @@
                 <a:latin typeface="微软雅黑" panose="020B0503020204020204" pitchFamily="34" charset="-122"/>
                 <a:ea typeface="微软雅黑" panose="020B0503020204020204" pitchFamily="34" charset="-122"/>
               </a:rPr>
-              <a:t>走查作业和课表模块</a:t>
+              <a:t>作业和课表模块</a:t>
             </a:r>
             <a:endParaRPr lang="en-US" altLang="zh-CN" sz="2000" dirty="0">
               <a:latin typeface="微软雅黑" panose="020B0503020204020204" pitchFamily="34" charset="-122"/>
@@ -6299,7 +6300,7 @@
                 <a:latin typeface="微软雅黑" panose="020B0503020204020204" pitchFamily="34" charset="-122"/>
                 <a:ea typeface="微软雅黑" panose="020B0503020204020204" pitchFamily="34" charset="-122"/>
               </a:rPr>
-              <a:t>走查设置和个人中心模块</a:t>
+              <a:t>设置和个人中心模块</a:t>
             </a:r>
             <a:endParaRPr lang="en-US" altLang="zh-CN" sz="2000" dirty="0">
               <a:latin typeface="微软雅黑" panose="020B0503020204020204" pitchFamily="34" charset="-122"/>
@@ -6358,7 +6359,7 @@
                 <a:latin typeface="微软雅黑" panose="020B0503020204020204" pitchFamily="34" charset="-122"/>
                 <a:ea typeface="微软雅黑" panose="020B0503020204020204" pitchFamily="34" charset="-122"/>
               </a:rPr>
-              <a:t>走查考试和登录模块</a:t>
+              <a:t>考试和登录模块</a:t>
             </a:r>
             <a:endParaRPr lang="en-US" altLang="zh-CN" sz="2000" dirty="0">
               <a:latin typeface="微软雅黑" panose="020B0503020204020204" pitchFamily="34" charset="-122"/>
@@ -20508,12 +20509,12 @@
                         </a:spcAft>
                       </a:pPr>
                       <a:r>
-                        <a:rPr lang="zh-CN" sz="1200" kern="100">
+                        <a:rPr lang="zh-CN" sz="1200" kern="100" dirty="0">
                           <a:effectLst/>
                         </a:rPr>
                         <a:t>测试模块</a:t>
                       </a:r>
-                      <a:endParaRPr lang="zh-CN" sz="1200" kern="100">
+                      <a:endParaRPr lang="zh-CN" sz="1200" kern="100" dirty="0">
                         <a:effectLst/>
                         <a:latin typeface="Times New Roman" panose="02020603050405020304" pitchFamily="18" charset="0"/>
                         <a:ea typeface="宋体" panose="02010600030101010101" pitchFamily="2" charset="-122"/>
@@ -20740,13 +20741,13 @@
                         </a:spcAft>
                       </a:pPr>
                       <a:r>
-                        <a:rPr lang="en-US" sz="1200" kern="100">
+                        <a:rPr lang="en-US" sz="1200" kern="100" dirty="0">
                           <a:effectLst/>
                         </a:rPr>
                         <a:t>1. </a:t>
                       </a:r>
                       <a:r>
-                        <a:rPr lang="zh-CN" sz="1200" kern="100">
+                        <a:rPr lang="zh-CN" sz="1200" kern="100" dirty="0">
                           <a:effectLst/>
                         </a:rPr>
                         <a:t>当前学期不为空</a:t>
@@ -20759,13 +20760,13 @@
                         </a:spcAft>
                       </a:pPr>
                       <a:r>
-                        <a:rPr lang="en-US" sz="1200" kern="100">
+                        <a:rPr lang="en-US" sz="1200" kern="100" dirty="0">
                           <a:effectLst/>
                         </a:rPr>
                         <a:t>2. </a:t>
                       </a:r>
                       <a:r>
-                        <a:rPr lang="zh-CN" sz="1200" kern="100">
+                        <a:rPr lang="zh-CN" sz="1200" kern="100" dirty="0">
                           <a:effectLst/>
                         </a:rPr>
                         <a:t>当前周数不为空</a:t>
@@ -20778,13 +20779,13 @@
                         </a:spcAft>
                       </a:pPr>
                       <a:r>
-                        <a:rPr lang="en-US" sz="1200" kern="100">
+                        <a:rPr lang="en-US" sz="1200" kern="100" dirty="0">
                           <a:effectLst/>
                         </a:rPr>
                         <a:t>3. </a:t>
                       </a:r>
                       <a:r>
-                        <a:rPr lang="zh-CN" sz="1200" kern="100">
+                        <a:rPr lang="zh-CN" sz="1200" kern="100" dirty="0">
                           <a:effectLst/>
                         </a:rPr>
                         <a:t>上午最大节数不为空</a:t>
@@ -20797,13 +20798,13 @@
                         </a:spcAft>
                       </a:pPr>
                       <a:r>
-                        <a:rPr lang="en-US" sz="1200" kern="100">
+                        <a:rPr lang="en-US" sz="1200" kern="100" dirty="0">
                           <a:effectLst/>
                         </a:rPr>
                         <a:t>4. </a:t>
                       </a:r>
                       <a:r>
-                        <a:rPr lang="zh-CN" sz="1200" kern="100">
+                        <a:rPr lang="zh-CN" sz="1200" kern="100" dirty="0">
                           <a:effectLst/>
                         </a:rPr>
                         <a:t>下午最大节数不为空</a:t>
@@ -20816,13 +20817,13 @@
                         </a:spcAft>
                       </a:pPr>
                       <a:r>
-                        <a:rPr lang="en-US" sz="1200" kern="100">
+                        <a:rPr lang="en-US" sz="1200" kern="100" dirty="0">
                           <a:effectLst/>
                         </a:rPr>
                         <a:t>5. </a:t>
                       </a:r>
                       <a:r>
-                        <a:rPr lang="zh-CN" sz="1200" kern="100">
+                        <a:rPr lang="zh-CN" sz="1200" kern="100" dirty="0">
                           <a:effectLst/>
                         </a:rPr>
                         <a:t>晚上最大节数不为空</a:t>
@@ -20835,12 +20836,12 @@
                         </a:spcAft>
                       </a:pPr>
                       <a:r>
-                        <a:rPr lang="en-US" sz="1200" kern="100">
+                        <a:rPr lang="en-US" sz="1200" kern="100" dirty="0">
                           <a:effectLst/>
                         </a:rPr>
                         <a:t> </a:t>
                       </a:r>
-                      <a:endParaRPr lang="zh-CN" sz="1200" kern="100">
+                      <a:endParaRPr lang="zh-CN" sz="1200" kern="100" dirty="0">
                         <a:effectLst/>
                         <a:latin typeface="Times New Roman" panose="02020603050405020304" pitchFamily="18" charset="0"/>
                         <a:ea typeface="宋体" panose="02010600030101010101" pitchFamily="2" charset="-122"/>
@@ -23332,7 +23333,7 @@
         <p:spPr>
           <a:xfrm>
             <a:off x="7500938" y="3089275"/>
-            <a:ext cx="2258008" cy="1200329"/>
+            <a:ext cx="2258008" cy="1938992"/>
           </a:xfrm>
           <a:prstGeom prst="rect">
             <a:avLst/>
@@ -23353,6 +23354,7 @@
               <a:rPr lang="zh-CN" altLang="en-US" sz="2400" b="1" dirty="0"/>
               <a:t>测试用例</a:t>
             </a:r>
+            <a:endParaRPr lang="en-US" altLang="zh-CN" sz="2400" b="1" dirty="0"/>
           </a:p>
           <a:p>
             <a:endParaRPr lang="en-US" altLang="zh-CN" sz="2400" b="1" dirty="0"/>
@@ -23361,6 +23363,19 @@
             <a:r>
               <a:rPr lang="en-US" altLang="zh-CN" sz="2400" b="1" dirty="0"/>
               <a:t>4.</a:t>
+            </a:r>
+            <a:r>
+              <a:rPr lang="zh-CN" altLang="en-US" sz="2400" b="1" dirty="0"/>
+              <a:t>参考文献</a:t>
+            </a:r>
+          </a:p>
+          <a:p>
+            <a:endParaRPr lang="en-US" altLang="zh-CN" sz="2400" b="1" dirty="0"/>
+          </a:p>
+          <a:p>
+            <a:r>
+              <a:rPr lang="en-US" altLang="zh-CN" sz="2400" b="1" dirty="0"/>
+              <a:t>5.</a:t>
             </a:r>
             <a:r>
               <a:rPr lang="zh-CN" altLang="en-US" sz="2400" b="1" dirty="0"/>
@@ -28756,6 +28771,570 @@
       </p:grpSpPr>
       <p:sp>
         <p:nvSpPr>
+          <p:cNvPr id="4" name="TextBox 3">
+            <a:extLst>
+              <a:ext uri="{FF2B5EF4-FFF2-40B4-BE49-F238E27FC236}">
+                <a16:creationId xmlns:a16="http://schemas.microsoft.com/office/drawing/2014/main" id="{DD418FD5-5DC2-44BC-9026-3D8F603C2B01}"/>
+              </a:ext>
+            </a:extLst>
+          </p:cNvPr>
+          <p:cNvSpPr txBox="1">
+            <a:spLocks noChangeArrowheads="1"/>
+          </p:cNvSpPr>
+          <p:nvPr/>
+        </p:nvSpPr>
+        <p:spPr bwMode="auto">
+          <a:xfrm>
+            <a:off x="731813" y="802860"/>
+            <a:ext cx="3651250" cy="368300"/>
+          </a:xfrm>
+          <a:prstGeom prst="rect">
+            <a:avLst/>
+          </a:prstGeom>
+          <a:noFill/>
+          <a:ln>
+            <a:noFill/>
+          </a:ln>
+          <a:extLst>
+            <a:ext uri="{909E8E84-426E-40DD-AFC4-6F175D3DCCD1}">
+              <a14:hiddenFill xmlns:a14="http://schemas.microsoft.com/office/drawing/2010/main">
+                <a:solidFill>
+                  <a:srgbClr val="FFFFFF"/>
+                </a:solidFill>
+              </a14:hiddenFill>
+            </a:ext>
+            <a:ext uri="{91240B29-F687-4F45-9708-019B960494DF}">
+              <a14:hiddenLine xmlns:a14="http://schemas.microsoft.com/office/drawing/2010/main" w="9525">
+                <a:solidFill>
+                  <a:srgbClr val="000000"/>
+                </a:solidFill>
+                <a:miter lim="800000"/>
+                <a:headEnd/>
+                <a:tailEnd/>
+              </a14:hiddenLine>
+            </a:ext>
+          </a:extLst>
+        </p:spPr>
+        <p:txBody>
+          <a:bodyPr>
+            <a:spAutoFit/>
+          </a:bodyPr>
+          <a:lstStyle>
+            <a:lvl1pPr>
+              <a:spcBef>
+                <a:spcPct val="20000"/>
+              </a:spcBef>
+              <a:buChar char="•"/>
+              <a:defRPr sz="3200">
+                <a:solidFill>
+                  <a:schemeClr val="tx1"/>
+                </a:solidFill>
+                <a:latin typeface="Arial" panose="020B0604020202020204" pitchFamily="34" charset="0"/>
+                <a:ea typeface="宋体" panose="02010600030101010101" pitchFamily="2" charset="-122"/>
+              </a:defRPr>
+            </a:lvl1pPr>
+            <a:lvl2pPr marL="742950" indent="-285750">
+              <a:spcBef>
+                <a:spcPct val="20000"/>
+              </a:spcBef>
+              <a:buChar char="–"/>
+              <a:defRPr sz="2800">
+                <a:solidFill>
+                  <a:schemeClr val="tx1"/>
+                </a:solidFill>
+                <a:latin typeface="Arial" panose="020B0604020202020204" pitchFamily="34" charset="0"/>
+                <a:ea typeface="宋体" panose="02010600030101010101" pitchFamily="2" charset="-122"/>
+              </a:defRPr>
+            </a:lvl2pPr>
+            <a:lvl3pPr marL="1143000" indent="-228600">
+              <a:spcBef>
+                <a:spcPct val="20000"/>
+              </a:spcBef>
+              <a:buChar char="•"/>
+              <a:defRPr sz="2400">
+                <a:solidFill>
+                  <a:schemeClr val="tx1"/>
+                </a:solidFill>
+                <a:latin typeface="Arial" panose="020B0604020202020204" pitchFamily="34" charset="0"/>
+                <a:ea typeface="宋体" panose="02010600030101010101" pitchFamily="2" charset="-122"/>
+              </a:defRPr>
+            </a:lvl3pPr>
+            <a:lvl4pPr marL="1600200" indent="-228600">
+              <a:spcBef>
+                <a:spcPct val="20000"/>
+              </a:spcBef>
+              <a:buChar char="–"/>
+              <a:defRPr sz="2000">
+                <a:solidFill>
+                  <a:schemeClr val="tx1"/>
+                </a:solidFill>
+                <a:latin typeface="Arial" panose="020B0604020202020204" pitchFamily="34" charset="0"/>
+                <a:ea typeface="宋体" panose="02010600030101010101" pitchFamily="2" charset="-122"/>
+              </a:defRPr>
+            </a:lvl4pPr>
+            <a:lvl5pPr marL="2057400" indent="-228600">
+              <a:spcBef>
+                <a:spcPct val="20000"/>
+              </a:spcBef>
+              <a:buChar char="»"/>
+              <a:defRPr sz="2000">
+                <a:solidFill>
+                  <a:schemeClr val="tx1"/>
+                </a:solidFill>
+                <a:latin typeface="Arial" panose="020B0604020202020204" pitchFamily="34" charset="0"/>
+                <a:ea typeface="宋体" panose="02010600030101010101" pitchFamily="2" charset="-122"/>
+              </a:defRPr>
+            </a:lvl5pPr>
+            <a:lvl6pPr marL="2514600" indent="-228600" eaLnBrk="0" fontAlgn="base" hangingPunct="0">
+              <a:spcBef>
+                <a:spcPct val="20000"/>
+              </a:spcBef>
+              <a:spcAft>
+                <a:spcPct val="0"/>
+              </a:spcAft>
+              <a:buChar char="»"/>
+              <a:defRPr sz="2000">
+                <a:solidFill>
+                  <a:schemeClr val="tx1"/>
+                </a:solidFill>
+                <a:latin typeface="Arial" panose="020B0604020202020204" pitchFamily="34" charset="0"/>
+                <a:ea typeface="宋体" panose="02010600030101010101" pitchFamily="2" charset="-122"/>
+              </a:defRPr>
+            </a:lvl6pPr>
+            <a:lvl7pPr marL="2971800" indent="-228600" eaLnBrk="0" fontAlgn="base" hangingPunct="0">
+              <a:spcBef>
+                <a:spcPct val="20000"/>
+              </a:spcBef>
+              <a:spcAft>
+                <a:spcPct val="0"/>
+              </a:spcAft>
+              <a:buChar char="»"/>
+              <a:defRPr sz="2000">
+                <a:solidFill>
+                  <a:schemeClr val="tx1"/>
+                </a:solidFill>
+                <a:latin typeface="Arial" panose="020B0604020202020204" pitchFamily="34" charset="0"/>
+                <a:ea typeface="宋体" panose="02010600030101010101" pitchFamily="2" charset="-122"/>
+              </a:defRPr>
+            </a:lvl7pPr>
+            <a:lvl8pPr marL="3429000" indent="-228600" eaLnBrk="0" fontAlgn="base" hangingPunct="0">
+              <a:spcBef>
+                <a:spcPct val="20000"/>
+              </a:spcBef>
+              <a:spcAft>
+                <a:spcPct val="0"/>
+              </a:spcAft>
+              <a:buChar char="»"/>
+              <a:defRPr sz="2000">
+                <a:solidFill>
+                  <a:schemeClr val="tx1"/>
+                </a:solidFill>
+                <a:latin typeface="Arial" panose="020B0604020202020204" pitchFamily="34" charset="0"/>
+                <a:ea typeface="宋体" panose="02010600030101010101" pitchFamily="2" charset="-122"/>
+              </a:defRPr>
+            </a:lvl8pPr>
+            <a:lvl9pPr marL="3886200" indent="-228600" eaLnBrk="0" fontAlgn="base" hangingPunct="0">
+              <a:spcBef>
+                <a:spcPct val="20000"/>
+              </a:spcBef>
+              <a:spcAft>
+                <a:spcPct val="0"/>
+              </a:spcAft>
+              <a:buChar char="»"/>
+              <a:defRPr sz="2000">
+                <a:solidFill>
+                  <a:schemeClr val="tx1"/>
+                </a:solidFill>
+                <a:latin typeface="Arial" panose="020B0604020202020204" pitchFamily="34" charset="0"/>
+                <a:ea typeface="宋体" panose="02010600030101010101" pitchFamily="2" charset="-122"/>
+              </a:defRPr>
+            </a:lvl9pPr>
+          </a:lstStyle>
+          <a:p>
+            <a:pPr eaLnBrk="1" hangingPunct="1">
+              <a:spcBef>
+                <a:spcPct val="0"/>
+              </a:spcBef>
+              <a:buFontTx/>
+              <a:buNone/>
+            </a:pPr>
+            <a:r>
+              <a:rPr lang="en-US" altLang="zh-CN" sz="1800" b="1" dirty="0">
+                <a:latin typeface="Calibri" panose="020F0502020204030204" pitchFamily="34" charset="0"/>
+              </a:rPr>
+              <a:t>Part4  </a:t>
+            </a:r>
+            <a:r>
+              <a:rPr lang="zh-CN" altLang="en-US" sz="1800" b="1" dirty="0">
+                <a:latin typeface="Calibri" panose="020F0502020204030204" pitchFamily="34" charset="0"/>
+              </a:rPr>
+              <a:t>参考资料</a:t>
+            </a:r>
+          </a:p>
+        </p:txBody>
+      </p:sp>
+      <p:sp>
+        <p:nvSpPr>
+          <p:cNvPr id="5" name="TextBox 5">
+            <a:extLst>
+              <a:ext uri="{FF2B5EF4-FFF2-40B4-BE49-F238E27FC236}">
+                <a16:creationId xmlns:a16="http://schemas.microsoft.com/office/drawing/2014/main" id="{42303AC9-8A42-44CE-92B2-BA9F98A391F4}"/>
+              </a:ext>
+            </a:extLst>
+          </p:cNvPr>
+          <p:cNvSpPr txBox="1">
+            <a:spLocks noChangeArrowheads="1"/>
+          </p:cNvSpPr>
+          <p:nvPr/>
+        </p:nvSpPr>
+        <p:spPr bwMode="auto">
+          <a:xfrm>
+            <a:off x="1881651" y="2283041"/>
+            <a:ext cx="7895395" cy="1542217"/>
+          </a:xfrm>
+          <a:prstGeom prst="rect">
+            <a:avLst/>
+          </a:prstGeom>
+          <a:noFill/>
+          <a:ln>
+            <a:noFill/>
+          </a:ln>
+          <a:extLst>
+            <a:ext uri="{909E8E84-426E-40DD-AFC4-6F175D3DCCD1}">
+              <a14:hiddenFill xmlns:a14="http://schemas.microsoft.com/office/drawing/2010/main">
+                <a:solidFill>
+                  <a:srgbClr val="FFFFFF"/>
+                </a:solidFill>
+              </a14:hiddenFill>
+            </a:ext>
+            <a:ext uri="{91240B29-F687-4F45-9708-019B960494DF}">
+              <a14:hiddenLine xmlns:a14="http://schemas.microsoft.com/office/drawing/2010/main" w="9525">
+                <a:solidFill>
+                  <a:srgbClr val="000000"/>
+                </a:solidFill>
+                <a:miter lim="800000"/>
+                <a:headEnd/>
+                <a:tailEnd/>
+              </a14:hiddenLine>
+            </a:ext>
+          </a:extLst>
+        </p:spPr>
+        <p:txBody>
+          <a:bodyPr wrap="square">
+            <a:spAutoFit/>
+          </a:bodyPr>
+          <a:lstStyle>
+            <a:lvl1pPr>
+              <a:spcBef>
+                <a:spcPct val="20000"/>
+              </a:spcBef>
+              <a:buChar char="•"/>
+              <a:defRPr sz="3200">
+                <a:solidFill>
+                  <a:schemeClr val="tx1"/>
+                </a:solidFill>
+                <a:latin typeface="Arial" panose="020B0604020202020204" pitchFamily="34" charset="0"/>
+                <a:ea typeface="宋体" panose="02010600030101010101" pitchFamily="2" charset="-122"/>
+              </a:defRPr>
+            </a:lvl1pPr>
+            <a:lvl2pPr marL="742950" indent="-285750">
+              <a:spcBef>
+                <a:spcPct val="20000"/>
+              </a:spcBef>
+              <a:buChar char="–"/>
+              <a:defRPr sz="2800">
+                <a:solidFill>
+                  <a:schemeClr val="tx1"/>
+                </a:solidFill>
+                <a:latin typeface="Arial" panose="020B0604020202020204" pitchFamily="34" charset="0"/>
+                <a:ea typeface="宋体" panose="02010600030101010101" pitchFamily="2" charset="-122"/>
+              </a:defRPr>
+            </a:lvl2pPr>
+            <a:lvl3pPr marL="1143000" indent="-228600">
+              <a:spcBef>
+                <a:spcPct val="20000"/>
+              </a:spcBef>
+              <a:buChar char="•"/>
+              <a:defRPr sz="2400">
+                <a:solidFill>
+                  <a:schemeClr val="tx1"/>
+                </a:solidFill>
+                <a:latin typeface="Arial" panose="020B0604020202020204" pitchFamily="34" charset="0"/>
+                <a:ea typeface="宋体" panose="02010600030101010101" pitchFamily="2" charset="-122"/>
+              </a:defRPr>
+            </a:lvl3pPr>
+            <a:lvl4pPr marL="1600200" indent="-228600">
+              <a:spcBef>
+                <a:spcPct val="20000"/>
+              </a:spcBef>
+              <a:buChar char="–"/>
+              <a:defRPr sz="2000">
+                <a:solidFill>
+                  <a:schemeClr val="tx1"/>
+                </a:solidFill>
+                <a:latin typeface="Arial" panose="020B0604020202020204" pitchFamily="34" charset="0"/>
+                <a:ea typeface="宋体" panose="02010600030101010101" pitchFamily="2" charset="-122"/>
+              </a:defRPr>
+            </a:lvl4pPr>
+            <a:lvl5pPr marL="2057400" indent="-228600">
+              <a:spcBef>
+                <a:spcPct val="20000"/>
+              </a:spcBef>
+              <a:buChar char="»"/>
+              <a:defRPr sz="2000">
+                <a:solidFill>
+                  <a:schemeClr val="tx1"/>
+                </a:solidFill>
+                <a:latin typeface="Arial" panose="020B0604020202020204" pitchFamily="34" charset="0"/>
+                <a:ea typeface="宋体" panose="02010600030101010101" pitchFamily="2" charset="-122"/>
+              </a:defRPr>
+            </a:lvl5pPr>
+            <a:lvl6pPr marL="2514600" indent="-228600" eaLnBrk="0" fontAlgn="base" hangingPunct="0">
+              <a:spcBef>
+                <a:spcPct val="20000"/>
+              </a:spcBef>
+              <a:spcAft>
+                <a:spcPct val="0"/>
+              </a:spcAft>
+              <a:buChar char="»"/>
+              <a:defRPr sz="2000">
+                <a:solidFill>
+                  <a:schemeClr val="tx1"/>
+                </a:solidFill>
+                <a:latin typeface="Arial" panose="020B0604020202020204" pitchFamily="34" charset="0"/>
+                <a:ea typeface="宋体" panose="02010600030101010101" pitchFamily="2" charset="-122"/>
+              </a:defRPr>
+            </a:lvl6pPr>
+            <a:lvl7pPr marL="2971800" indent="-228600" eaLnBrk="0" fontAlgn="base" hangingPunct="0">
+              <a:spcBef>
+                <a:spcPct val="20000"/>
+              </a:spcBef>
+              <a:spcAft>
+                <a:spcPct val="0"/>
+              </a:spcAft>
+              <a:buChar char="»"/>
+              <a:defRPr sz="2000">
+                <a:solidFill>
+                  <a:schemeClr val="tx1"/>
+                </a:solidFill>
+                <a:latin typeface="Arial" panose="020B0604020202020204" pitchFamily="34" charset="0"/>
+                <a:ea typeface="宋体" panose="02010600030101010101" pitchFamily="2" charset="-122"/>
+              </a:defRPr>
+            </a:lvl7pPr>
+            <a:lvl8pPr marL="3429000" indent="-228600" eaLnBrk="0" fontAlgn="base" hangingPunct="0">
+              <a:spcBef>
+                <a:spcPct val="20000"/>
+              </a:spcBef>
+              <a:spcAft>
+                <a:spcPct val="0"/>
+              </a:spcAft>
+              <a:buChar char="»"/>
+              <a:defRPr sz="2000">
+                <a:solidFill>
+                  <a:schemeClr val="tx1"/>
+                </a:solidFill>
+                <a:latin typeface="Arial" panose="020B0604020202020204" pitchFamily="34" charset="0"/>
+                <a:ea typeface="宋体" panose="02010600030101010101" pitchFamily="2" charset="-122"/>
+              </a:defRPr>
+            </a:lvl8pPr>
+            <a:lvl9pPr marL="3886200" indent="-228600" eaLnBrk="0" fontAlgn="base" hangingPunct="0">
+              <a:spcBef>
+                <a:spcPct val="20000"/>
+              </a:spcBef>
+              <a:spcAft>
+                <a:spcPct val="0"/>
+              </a:spcAft>
+              <a:buChar char="»"/>
+              <a:defRPr sz="2000">
+                <a:solidFill>
+                  <a:schemeClr val="tx1"/>
+                </a:solidFill>
+                <a:latin typeface="Arial" panose="020B0604020202020204" pitchFamily="34" charset="0"/>
+                <a:ea typeface="宋体" panose="02010600030101010101" pitchFamily="2" charset="-122"/>
+              </a:defRPr>
+            </a:lvl9pPr>
+          </a:lstStyle>
+          <a:p>
+            <a:pPr eaLnBrk="1" hangingPunct="1">
+              <a:lnSpc>
+                <a:spcPct val="150000"/>
+              </a:lnSpc>
+              <a:spcBef>
+                <a:spcPts val="1000"/>
+              </a:spcBef>
+              <a:buFontTx/>
+              <a:buNone/>
+              <a:defRPr/>
+            </a:pPr>
+            <a:r>
+              <a:rPr lang="zh-CN" altLang="zh-CN" sz="1350" dirty="0">
+                <a:latin typeface="微软雅黑" panose="020B0503020204020204" pitchFamily="34" charset="-122"/>
+                <a:ea typeface="微软雅黑" panose="020B0503020204020204" pitchFamily="34" charset="-122"/>
+              </a:rPr>
+              <a:t>《软件工程导论》 </a:t>
+            </a:r>
+            <a:r>
+              <a:rPr lang="en-US" altLang="zh-CN" sz="1350" dirty="0">
+                <a:latin typeface="微软雅黑" panose="020B0503020204020204" pitchFamily="34" charset="-122"/>
+                <a:ea typeface="微软雅黑" panose="020B0503020204020204" pitchFamily="34" charset="-122"/>
+              </a:rPr>
+              <a:t> </a:t>
+            </a:r>
+            <a:r>
+              <a:rPr lang="zh-CN" altLang="zh-CN" sz="1350" dirty="0">
+                <a:latin typeface="微软雅黑" panose="020B0503020204020204" pitchFamily="34" charset="-122"/>
+                <a:ea typeface="微软雅黑" panose="020B0503020204020204" pitchFamily="34" charset="-122"/>
+              </a:rPr>
+              <a:t>清华大学出版社</a:t>
+            </a:r>
+            <a:r>
+              <a:rPr lang="en-US" altLang="zh-CN" sz="1350" dirty="0">
+                <a:latin typeface="微软雅黑" panose="020B0503020204020204" pitchFamily="34" charset="-122"/>
+                <a:ea typeface="微软雅黑" panose="020B0503020204020204" pitchFamily="34" charset="-122"/>
+              </a:rPr>
+              <a:t>  </a:t>
+            </a:r>
+            <a:r>
+              <a:rPr lang="zh-CN" altLang="zh-CN" sz="1350" dirty="0">
+                <a:latin typeface="微软雅黑" panose="020B0503020204020204" pitchFamily="34" charset="-122"/>
+                <a:ea typeface="微软雅黑" panose="020B0503020204020204" pitchFamily="34" charset="-122"/>
+              </a:rPr>
+              <a:t>作者：张海藩等</a:t>
+            </a:r>
+          </a:p>
+          <a:p>
+            <a:pPr eaLnBrk="1" hangingPunct="1">
+              <a:lnSpc>
+                <a:spcPct val="150000"/>
+              </a:lnSpc>
+              <a:spcBef>
+                <a:spcPts val="1000"/>
+              </a:spcBef>
+              <a:buFontTx/>
+              <a:buNone/>
+              <a:defRPr/>
+            </a:pPr>
+            <a:r>
+              <a:rPr lang="zh-CN" altLang="zh-CN" sz="1350" dirty="0">
+                <a:latin typeface="微软雅黑" panose="020B0503020204020204" pitchFamily="34" charset="-122"/>
+                <a:ea typeface="微软雅黑" panose="020B0503020204020204" pitchFamily="34" charset="-122"/>
+              </a:rPr>
+              <a:t>国际书码号：</a:t>
+            </a:r>
+            <a:r>
+              <a:rPr lang="en-US" altLang="zh-CN" sz="1350" dirty="0">
+                <a:latin typeface="微软雅黑" panose="020B0503020204020204" pitchFamily="34" charset="-122"/>
+                <a:ea typeface="微软雅黑" panose="020B0503020204020204" pitchFamily="34" charset="-122"/>
+              </a:rPr>
+              <a:t>ISBN 978-7-302-33098-1     </a:t>
+            </a:r>
+            <a:r>
+              <a:rPr lang="zh-CN" altLang="zh-CN" sz="1350" dirty="0">
+                <a:latin typeface="微软雅黑" panose="020B0503020204020204" pitchFamily="34" charset="-122"/>
+                <a:ea typeface="微软雅黑" panose="020B0503020204020204" pitchFamily="34" charset="-122"/>
+              </a:rPr>
+              <a:t>出版时间：</a:t>
+            </a:r>
+            <a:r>
+              <a:rPr lang="en-US" altLang="zh-CN" sz="1350" dirty="0">
+                <a:latin typeface="微软雅黑" panose="020B0503020204020204" pitchFamily="34" charset="-122"/>
+                <a:ea typeface="微软雅黑" panose="020B0503020204020204" pitchFamily="34" charset="-122"/>
+              </a:rPr>
+              <a:t>2013.8</a:t>
+            </a:r>
+          </a:p>
+          <a:p>
+            <a:pPr eaLnBrk="1" hangingPunct="1">
+              <a:lnSpc>
+                <a:spcPct val="150000"/>
+              </a:lnSpc>
+              <a:spcBef>
+                <a:spcPts val="1000"/>
+              </a:spcBef>
+              <a:buFontTx/>
+              <a:buNone/>
+              <a:defRPr/>
+            </a:pPr>
+            <a:endParaRPr lang="zh-CN" altLang="zh-CN" sz="1350" dirty="0">
+              <a:latin typeface="微软雅黑" panose="020B0503020204020204" pitchFamily="34" charset="-122"/>
+              <a:ea typeface="微软雅黑" panose="020B0503020204020204" pitchFamily="34" charset="-122"/>
+            </a:endParaRPr>
+          </a:p>
+          <a:p>
+            <a:pPr algn="just">
+              <a:spcAft>
+                <a:spcPts val="0"/>
+              </a:spcAft>
+              <a:buNone/>
+            </a:pPr>
+            <a:r>
+              <a:rPr lang="en-US" altLang="zh-CN" sz="1400" kern="100" dirty="0">
+                <a:latin typeface="Times New Roman" panose="02020603050405020304" pitchFamily="18" charset="0"/>
+              </a:rPr>
+              <a:t>SE2018</a:t>
+            </a:r>
+            <a:r>
+              <a:rPr lang="zh-CN" altLang="zh-CN" sz="1400" kern="100" dirty="0">
+                <a:latin typeface="Times New Roman" panose="02020603050405020304" pitchFamily="18" charset="0"/>
+              </a:rPr>
+              <a:t>春</a:t>
+            </a:r>
+            <a:r>
+              <a:rPr lang="en-US" altLang="zh-CN" sz="1400" kern="100" dirty="0">
+                <a:latin typeface="Times New Roman" panose="02020603050405020304" pitchFamily="18" charset="0"/>
+              </a:rPr>
+              <a:t>-G03-</a:t>
+            </a:r>
+            <a:r>
+              <a:rPr lang="zh-CN" altLang="zh-CN" sz="1400" kern="100" dirty="0">
+                <a:latin typeface="Times New Roman" panose="02020603050405020304" pitchFamily="18" charset="0"/>
+              </a:rPr>
+              <a:t>测试计划 作者：林鑫</a:t>
+            </a:r>
+            <a:r>
+              <a:rPr lang="zh-CN" altLang="en-US" sz="1400" kern="100" dirty="0">
+                <a:latin typeface="Times New Roman" panose="02020603050405020304" pitchFamily="18" charset="0"/>
+              </a:rPr>
+              <a:t>、李俊</a:t>
+            </a:r>
+            <a:endParaRPr lang="zh-CN" altLang="zh-CN" sz="1400" kern="100" dirty="0">
+              <a:latin typeface="Times New Roman" panose="02020603050405020304" pitchFamily="18" charset="0"/>
+            </a:endParaRPr>
+          </a:p>
+        </p:txBody>
+      </p:sp>
+    </p:spTree>
+    <p:extLst>
+      <p:ext uri="{BB962C8B-B14F-4D97-AF65-F5344CB8AC3E}">
+        <p14:creationId xmlns:p14="http://schemas.microsoft.com/office/powerpoint/2010/main" val="3384140128"/>
+      </p:ext>
+    </p:extLst>
+  </p:cSld>
+  <p:clrMapOvr>
+    <a:masterClrMapping/>
+  </p:clrMapOvr>
+</p:sld>
+</file>
+
+<file path=ppt/slides/slide25.xml><?xml version="1.0" encoding="utf-8"?>
+<p:sld xmlns:a="http://schemas.openxmlformats.org/drawingml/2006/main" xmlns:r="http://schemas.openxmlformats.org/officeDocument/2006/relationships" xmlns:p="http://schemas.openxmlformats.org/presentationml/2006/main">
+  <p:cSld>
+    <p:spTree>
+      <p:nvGrpSpPr>
+        <p:cNvPr id="1" name=""/>
+        <p:cNvGrpSpPr/>
+        <p:nvPr/>
+      </p:nvGrpSpPr>
+      <p:grpSpPr>
+        <a:xfrm>
+          <a:off x="0" y="0"/>
+          <a:ext cx="0" cy="0"/>
+          <a:chOff x="0" y="0"/>
+          <a:chExt cx="0" cy="0"/>
+        </a:xfrm>
+      </p:grpSpPr>
+      <p:sp>
+        <p:nvSpPr>
           <p:cNvPr id="16386" name="文本框 18"/>
           <p:cNvSpPr txBox="1">
             <a:spLocks noChangeArrowheads="1"/>
@@ -29426,16 +30005,16 @@
               <a:buNone/>
             </a:pPr>
             <a:r>
-              <a:rPr lang="en-US" altLang="zh-CN" sz="4800">
+              <a:rPr lang="en-US" altLang="zh-CN" sz="4800" dirty="0">
                 <a:solidFill>
                   <a:srgbClr val="C00000"/>
                 </a:solidFill>
                 <a:latin typeface="微软雅黑" pitchFamily="34" charset="-122"/>
                 <a:ea typeface="微软雅黑" pitchFamily="34" charset="-122"/>
               </a:rPr>
-              <a:t>Part 4</a:t>
+              <a:t>Part 5</a:t>
             </a:r>
-            <a:endParaRPr lang="zh-CN" altLang="en-US" sz="4800">
+            <a:endParaRPr lang="zh-CN" altLang="en-US" sz="4800" dirty="0">
               <a:solidFill>
                 <a:srgbClr val="C00000"/>
               </a:solidFill>
@@ -29456,7 +30035,7 @@
 </p:sld>
 </file>
 
-<file path=ppt/slides/slide25.xml><?xml version="1.0" encoding="utf-8"?>
+<file path=ppt/slides/slide26.xml><?xml version="1.0" encoding="utf-8"?>
 <p:sld xmlns:a="http://schemas.openxmlformats.org/drawingml/2006/main" xmlns:r="http://schemas.openxmlformats.org/officeDocument/2006/relationships" xmlns:p="http://schemas.openxmlformats.org/presentationml/2006/main">
   <p:cSld>
     <p:spTree>
@@ -29892,7 +30471,7 @@
                 <a:latin typeface="华文细黑" pitchFamily="2" charset="-122"/>
                 <a:ea typeface="华文细黑" pitchFamily="2" charset="-122"/>
               </a:rPr>
-              <a:t>4.</a:t>
+              <a:t>5.</a:t>
             </a:r>
             <a:r>
               <a:rPr lang="zh-CN" altLang="en-US" dirty="0">
@@ -32153,7 +32732,7 @@
 </p:sld>
 </file>
 
-<file path=ppt/slides/slide26.xml><?xml version="1.0" encoding="utf-8"?>
+<file path=ppt/slides/slide27.xml><?xml version="1.0" encoding="utf-8"?>
 <p:sld xmlns:a="http://schemas.openxmlformats.org/drawingml/2006/main" xmlns:r="http://schemas.openxmlformats.org/officeDocument/2006/relationships" xmlns:p="http://schemas.openxmlformats.org/presentationml/2006/main">
   <p:cSld>
     <p:spTree>
@@ -32940,7 +33519,7 @@
                 <a:buFont typeface="Arial" pitchFamily="34" charset="0"/>
                 <a:buNone/>
               </a:pPr>
-              <a:t>2018/6/4</a:t>
+              <a:t>2018/6/7</a:t>
             </a:fld>
             <a:endParaRPr lang="zh-CN" altLang="en-US" sz="1800">
               <a:solidFill>
@@ -33970,7 +34549,7 @@
         </p:nvSpPr>
         <p:spPr>
           <a:xfrm>
-            <a:off x="5069840" y="5770880"/>
+            <a:off x="7309187" y="5845525"/>
             <a:ext cx="2052320" cy="369332"/>
           </a:xfrm>
           <a:prstGeom prst="rect">
@@ -33991,39 +34570,6 @@
                 <a:ea typeface="微软雅黑" panose="020B0503020204020204" pitchFamily="34" charset="-122"/>
               </a:rPr>
               <a:t>登录界面</a:t>
-            </a:r>
-          </a:p>
-        </p:txBody>
-      </p:sp>
-      <p:sp>
-        <p:nvSpPr>
-          <p:cNvPr id="11" name="TextBox 10"/>
-          <p:cNvSpPr txBox="1"/>
-          <p:nvPr/>
-        </p:nvSpPr>
-        <p:spPr>
-          <a:xfrm>
-            <a:off x="8948977" y="5774452"/>
-            <a:ext cx="2052320" cy="369332"/>
-          </a:xfrm>
-          <a:prstGeom prst="rect">
-            <a:avLst/>
-          </a:prstGeom>
-          <a:noFill/>
-        </p:spPr>
-        <p:txBody>
-          <a:bodyPr wrap="square" rtlCol="0">
-            <a:spAutoFit/>
-          </a:bodyPr>
-          <a:lstStyle/>
-          <a:p>
-            <a:pPr algn="ctr"/>
-            <a:r>
-              <a:rPr lang="zh-CN" altLang="en-US" dirty="0">
-                <a:latin typeface="微软雅黑" panose="020B0503020204020204" pitchFamily="34" charset="-122"/>
-                <a:ea typeface="微软雅黑" panose="020B0503020204020204" pitchFamily="34" charset="-122"/>
-              </a:rPr>
-              <a:t>登录完成界面</a:t>
             </a:r>
           </a:p>
         </p:txBody>
@@ -34056,7 +34602,7 @@
         </p:blipFill>
         <p:spPr>
           <a:xfrm>
-            <a:off x="4621764" y="870466"/>
+            <a:off x="6861111" y="825500"/>
             <a:ext cx="2948472" cy="4806120"/>
           </a:xfrm>
           <a:prstGeom prst="rect">
@@ -34066,10 +34612,10 @@
       </p:pic>
       <p:pic>
         <p:nvPicPr>
-          <p:cNvPr id="6" name="图片 5">
+          <p:cNvPr id="3" name="图片 2">
             <a:extLst>
               <a:ext uri="{FF2B5EF4-FFF2-40B4-BE49-F238E27FC236}">
-                <a16:creationId xmlns:a16="http://schemas.microsoft.com/office/drawing/2014/main" id="{75602BBB-E2BE-416A-A2CE-57BA4AE782FF}"/>
+                <a16:creationId xmlns:a16="http://schemas.microsoft.com/office/drawing/2014/main" id="{571F8F35-0D76-4EF6-8EBE-B4EF8666A423}"/>
               </a:ext>
             </a:extLst>
           </p:cNvPr>
@@ -34079,21 +34625,15 @@
           <p:nvPr/>
         </p:nvPicPr>
         <p:blipFill>
-          <a:blip r:embed="rId3">
-            <a:extLst>
-              <a:ext uri="{28A0092B-C50C-407E-A947-70E740481C1C}">
-                <a14:useLocalDpi xmlns:a14="http://schemas.microsoft.com/office/drawing/2010/main" val="0"/>
-              </a:ext>
-            </a:extLst>
-          </a:blip>
+          <a:blip r:embed="rId3"/>
           <a:stretch>
             <a:fillRect/>
           </a:stretch>
         </p:blipFill>
         <p:spPr>
           <a:xfrm>
-            <a:off x="859481" y="870466"/>
-            <a:ext cx="2692504" cy="4806120"/>
+            <a:off x="948500" y="928272"/>
+            <a:ext cx="2590800" cy="4600575"/>
           </a:xfrm>
           <a:prstGeom prst="rect">
             <a:avLst/>
@@ -34454,47 +34994,11 @@
                 <a:latin typeface="微软雅黑" panose="020B0503020204020204" pitchFamily="34" charset="-122"/>
                 <a:ea typeface="微软雅黑" panose="020B0503020204020204" pitchFamily="34" charset="-122"/>
               </a:rPr>
-              <a:t>添加课表信息界面</a:t>
+              <a:t>添加作业信息界面</a:t>
             </a:r>
           </a:p>
         </p:txBody>
       </p:sp>
-      <p:pic>
-        <p:nvPicPr>
-          <p:cNvPr id="5" name="图片 4" descr="图片包含 屏幕截图&#10;&#10;已生成极高可信度的说明">
-            <a:extLst>
-              <a:ext uri="{FF2B5EF4-FFF2-40B4-BE49-F238E27FC236}">
-                <a16:creationId xmlns:a16="http://schemas.microsoft.com/office/drawing/2014/main" id="{D61190AA-05A3-4EB0-9AD0-B2329CA98BE0}"/>
-              </a:ext>
-            </a:extLst>
-          </p:cNvPr>
-          <p:cNvPicPr>
-            <a:picLocks noChangeAspect="1"/>
-          </p:cNvPicPr>
-          <p:nvPr/>
-        </p:nvPicPr>
-        <p:blipFill>
-          <a:blip r:embed="rId2">
-            <a:extLst>
-              <a:ext uri="{28A0092B-C50C-407E-A947-70E740481C1C}">
-                <a14:useLocalDpi xmlns:a14="http://schemas.microsoft.com/office/drawing/2010/main" val="0"/>
-              </a:ext>
-            </a:extLst>
-          </a:blip>
-          <a:stretch>
-            <a:fillRect/>
-          </a:stretch>
-        </p:blipFill>
-        <p:spPr>
-          <a:xfrm>
-            <a:off x="895739" y="870466"/>
-            <a:ext cx="2769771" cy="4806119"/>
-          </a:xfrm>
-          <a:prstGeom prst="rect">
-            <a:avLst/>
-          </a:prstGeom>
-        </p:spPr>
-      </p:pic>
       <p:pic>
         <p:nvPicPr>
           <p:cNvPr id="9" name="图片 8" descr="图片包含 屏幕截图&#10;&#10;已生成极高可信度的说明">
@@ -34510,7 +35014,7 @@
           <p:nvPr/>
         </p:nvPicPr>
         <p:blipFill>
-          <a:blip r:embed="rId3">
+          <a:blip r:embed="rId2">
             <a:extLst>
               <a:ext uri="{28A0092B-C50C-407E-A947-70E740481C1C}">
                 <a14:useLocalDpi xmlns:a14="http://schemas.microsoft.com/office/drawing/2010/main" val="0"/>
@@ -34546,7 +35050,7 @@
           <p:nvPr/>
         </p:nvPicPr>
         <p:blipFill>
-          <a:blip r:embed="rId4">
+          <a:blip r:embed="rId3">
             <a:extLst>
               <a:ext uri="{28A0092B-C50C-407E-A947-70E740481C1C}">
                 <a14:useLocalDpi xmlns:a14="http://schemas.microsoft.com/office/drawing/2010/main" val="0"/>
@@ -34561,6 +35065,36 @@
           <a:xfrm>
             <a:off x="8590251" y="870466"/>
             <a:ext cx="2769771" cy="4806119"/>
+          </a:xfrm>
+          <a:prstGeom prst="rect">
+            <a:avLst/>
+          </a:prstGeom>
+        </p:spPr>
+      </p:pic>
+      <p:pic>
+        <p:nvPicPr>
+          <p:cNvPr id="3" name="图片 2">
+            <a:extLst>
+              <a:ext uri="{FF2B5EF4-FFF2-40B4-BE49-F238E27FC236}">
+                <a16:creationId xmlns:a16="http://schemas.microsoft.com/office/drawing/2014/main" id="{767E6CBB-AD91-465D-95FA-1965C6065CB4}"/>
+              </a:ext>
+            </a:extLst>
+          </p:cNvPr>
+          <p:cNvPicPr>
+            <a:picLocks noChangeAspect="1"/>
+          </p:cNvPicPr>
+          <p:nvPr/>
+        </p:nvPicPr>
+        <p:blipFill>
+          <a:blip r:embed="rId4"/>
+          <a:stretch>
+            <a:fillRect/>
+          </a:stretch>
+        </p:blipFill>
+        <p:spPr>
+          <a:xfrm>
+            <a:off x="831978" y="870466"/>
+            <a:ext cx="2734878" cy="4900414"/>
           </a:xfrm>
           <a:prstGeom prst="rect">
             <a:avLst/>
@@ -34996,10 +35530,10 @@
       </p:pic>
       <p:pic>
         <p:nvPicPr>
-          <p:cNvPr id="12" name="图片 11" descr="图片包含 屏幕截图&#10;&#10;已生成极高可信度的说明">
+          <p:cNvPr id="3" name="图片 2">
             <a:extLst>
               <a:ext uri="{FF2B5EF4-FFF2-40B4-BE49-F238E27FC236}">
-                <a16:creationId xmlns:a16="http://schemas.microsoft.com/office/drawing/2014/main" id="{BB1EED9C-AE54-4083-AD88-92D257FEFC28}"/>
+                <a16:creationId xmlns:a16="http://schemas.microsoft.com/office/drawing/2014/main" id="{884887A2-841F-40BE-AC31-A2124B975C0C}"/>
               </a:ext>
             </a:extLst>
           </p:cNvPr>
@@ -35009,21 +35543,15 @@
           <p:nvPr/>
         </p:nvPicPr>
         <p:blipFill>
-          <a:blip r:embed="rId4">
-            <a:extLst>
-              <a:ext uri="{28A0092B-C50C-407E-A947-70E740481C1C}">
-                <a14:useLocalDpi xmlns:a14="http://schemas.microsoft.com/office/drawing/2010/main" val="0"/>
-              </a:ext>
-            </a:extLst>
-          </a:blip>
+          <a:blip r:embed="rId4"/>
           <a:stretch>
             <a:fillRect/>
           </a:stretch>
         </p:blipFill>
         <p:spPr>
           <a:xfrm>
-            <a:off x="8776884" y="867896"/>
-            <a:ext cx="2722384" cy="4891070"/>
+            <a:off x="8577001" y="867896"/>
+            <a:ext cx="2852018" cy="4880615"/>
           </a:xfrm>
           <a:prstGeom prst="rect">
             <a:avLst/>
